--- a/Англ 2/Преза 2.pptx
+++ b/Англ 2/Преза 2.pptx
@@ -250,7 +250,7 @@
             <a:pPr rtl="0"/>
             <a:fld id="{886129CE-8AC1-4121-834E-A8B272E61DD1}" type="datetime1">
               <a:rPr lang="ru-RU" smtClean="0"/>
-              <a:t>09.04.2024</a:t>
+              <a:t>12.04.2024</a:t>
             </a:fld>
             <a:endParaRPr lang="ru-RU" dirty="0"/>
           </a:p>
@@ -432,7 +432,7 @@
             <a:pPr rtl="0"/>
             <a:fld id="{6B8E0F10-E193-4759-999B-3C179E14320D}" type="datetime1">
               <a:rPr lang="ru-RU" smtClean="0"/>
-              <a:t>09.04.2024</a:t>
+              <a:t>12.04.2024</a:t>
             </a:fld>
             <a:endParaRPr lang="ru-RU" dirty="0"/>
           </a:p>
@@ -9108,7 +9108,7 @@
         </p:nvSpPr>
         <p:spPr>
           <a:xfrm>
-            <a:off x="811185" y="610011"/>
+            <a:off x="811185" y="1655042"/>
             <a:ext cx="8874306" cy="2034578"/>
           </a:xfrm>
         </p:spPr>
@@ -9121,10 +9121,10 @@
           </a:lstStyle>
           <a:p>
             <a:r>
-              <a:rPr lang="ru-RU" b="0" dirty="0" smtClean="0"/>
-              <a:t>ММБД</a:t>
-            </a:r>
-            <a:endParaRPr lang="ru-RU" dirty="0"/>
+              <a:rPr lang="en-US" sz="6600" b="0" dirty="0" smtClean="0"/>
+              <a:t>Multi-model databases</a:t>
+            </a:r>
+            <a:endParaRPr lang="ru-RU" sz="6600" dirty="0"/>
           </a:p>
         </p:txBody>
       </p:sp>
@@ -9154,18 +9154,52 @@
           </a:lstStyle>
           <a:p>
             <a:r>
-              <a:rPr lang="ru-RU" dirty="0"/>
-              <a:t>МГТУ им. </a:t>
+              <a:rPr lang="en-US" b="0" dirty="0"/>
+              <a:t>Bauman </a:t>
+            </a:r>
+            <a:r>
+              <a:rPr lang="en-US" b="0" dirty="0" smtClean="0"/>
+              <a:t>MSTU</a:t>
+            </a:r>
+          </a:p>
+          <a:p>
+            <a:r>
+              <a:rPr lang="en-US" dirty="0" err="1" smtClean="0"/>
+              <a:t>Zhuravlev</a:t>
             </a:r>
             <a:r>
               <a:rPr lang="ru-RU" dirty="0" smtClean="0"/>
-              <a:t>Н.Э. Баумана</a:t>
-            </a:r>
-          </a:p>
-          <a:p>
+              <a:t> </a:t>
+            </a:r>
+            <a:r>
+              <a:rPr lang="en-US" dirty="0"/>
+              <a:t>N</a:t>
+            </a:r>
             <a:r>
               <a:rPr lang="ru-RU" dirty="0" smtClean="0"/>
-              <a:t>Журавлев Н.В., ИУ5-24М, студент</a:t>
+              <a:t>.</a:t>
+            </a:r>
+            <a:r>
+              <a:rPr lang="en-US" dirty="0" smtClean="0"/>
+              <a:t>V</a:t>
+            </a:r>
+            <a:r>
+              <a:rPr lang="ru-RU" dirty="0" smtClean="0"/>
+              <a:t>., </a:t>
+            </a:r>
+            <a:r>
+              <a:rPr lang="en-US" dirty="0" smtClean="0"/>
+              <a:t>student</a:t>
+            </a:r>
+          </a:p>
+          <a:p>
+            <a:r>
+              <a:rPr lang="en-US" dirty="0" smtClean="0"/>
+              <a:t>IU</a:t>
+            </a:r>
+            <a:r>
+              <a:rPr lang="ru-RU" dirty="0" smtClean="0"/>
+              <a:t>5-24М</a:t>
             </a:r>
             <a:endParaRPr lang="ru-RU" dirty="0"/>
           </a:p>
@@ -9181,6 +9215,13 @@
   <p:clrMapOvr>
     <a:masterClrMapping/>
   </p:clrMapOvr>
+  <p:timing>
+    <p:tnLst>
+      <p:par>
+        <p:cTn id="1" dur="indefinite" restart="never" nodeType="tmRoot"/>
+      </p:par>
+    </p:tnLst>
+  </p:timing>
 </p:sld>
 </file>
 
@@ -9220,7 +9261,7 @@
         <p:spPr>
           <a:xfrm>
             <a:off x="811185" y="621973"/>
-            <a:ext cx="4856190" cy="961899"/>
+            <a:ext cx="6834024" cy="961899"/>
           </a:xfrm>
         </p:spPr>
         <p:txBody>
@@ -9232,12 +9273,24 @@
           </a:lstStyle>
           <a:p>
             <a:r>
-              <a:rPr lang="ru-RU" b="0" dirty="0"/>
-              <a:t>Что такое </a:t>
-            </a:r>
-            <a:r>
-              <a:rPr lang="ru-RU" b="0" dirty="0" err="1"/>
-              <a:t>ммбд</a:t>
+              <a:rPr lang="en-US" b="0" dirty="0"/>
+              <a:t>What </a:t>
+            </a:r>
+            <a:r>
+              <a:rPr lang="en-US" b="0" dirty="0" smtClean="0"/>
+              <a:t>is</a:t>
+            </a:r>
+            <a:r>
+              <a:rPr lang="ru-RU" b="0" dirty="0" smtClean="0"/>
+              <a:t> </a:t>
+            </a:r>
+            <a:r>
+              <a:rPr lang="en-US" b="0" dirty="0" smtClean="0"/>
+              <a:t>multi-model </a:t>
+            </a:r>
+            <a:r>
+              <a:rPr lang="en-US" b="0" dirty="0"/>
+              <a:t>databases</a:t>
             </a:r>
             <a:endParaRPr lang="ru-RU" sz="3600" dirty="0"/>
           </a:p>
@@ -9274,37 +9327,10 @@
           </a:lstStyle>
           <a:p>
             <a:r>
-              <a:rPr lang="ru-RU" dirty="0" smtClean="0"/>
-              <a:t>Франчайзинг </a:t>
-            </a:r>
-            <a:r>
-              <a:rPr lang="ru-RU" dirty="0"/>
-              <a:t>— это форма предпринимательства, основанная на системе взаимоотношений, закрепленных рядом соглашений, при которых одна сторона (</a:t>
-            </a:r>
-            <a:r>
-              <a:rPr lang="ru-RU" dirty="0" err="1"/>
-              <a:t>франчайзер</a:t>
-            </a:r>
-            <a:r>
-              <a:rPr lang="ru-RU" dirty="0"/>
-              <a:t>) предоставляет возмездное право действовать от своего имени (реализовывать товары) другой </a:t>
-            </a:r>
-            <a:r>
-              <a:rPr lang="ru-RU" dirty="0" smtClean="0"/>
-              <a:t>стороне</a:t>
-            </a:r>
-            <a:r>
-              <a:rPr lang="ru-RU" dirty="0"/>
-              <a:t> (франчайзи)</a:t>
-            </a:r>
-            <a:r>
-              <a:rPr lang="ru-RU" dirty="0" smtClean="0"/>
-              <a:t>, </a:t>
-            </a:r>
-            <a:r>
-              <a:rPr lang="ru-RU" dirty="0"/>
-              <a:t>способствуя тем самым расширению рынка сбыта</a:t>
-            </a:r>
+              <a:rPr lang="en-US" dirty="0"/>
+              <a:t>A multi-model database is a database designed to support multiple data models in a single data storage system. This means that such a system can store, index, and query data across multiple models. This type of database provides a single interface for consistency, security, and data access, and eliminates the need for complex conversions and migrations between different databases</a:t>
+            </a:r>
+            <a:endParaRPr lang="ru-RU" dirty="0"/>
           </a:p>
         </p:txBody>
       </p:sp>
@@ -9373,9 +9399,18 @@
           </a:lstStyle>
           <a:p>
             <a:r>
+              <a:rPr lang="en-US" dirty="0"/>
+              <a:t>What is</a:t>
+            </a:r>
+            <a:r>
               <a:rPr lang="ru-RU" dirty="0"/>
-              <a:t>Определение франчайзинга</a:t>
-            </a:r>
+              <a:t> </a:t>
+            </a:r>
+            <a:r>
+              <a:rPr lang="en-US" dirty="0"/>
+              <a:t>multi-model databases</a:t>
+            </a:r>
+            <a:endParaRPr lang="ru-RU" dirty="0"/>
           </a:p>
         </p:txBody>
       </p:sp>
@@ -9416,7 +9451,7 @@
       </p:sp>
       <p:pic>
         <p:nvPicPr>
-          <p:cNvPr id="14" name="Рисунок 13"/>
+          <p:cNvPr id="9" name="Рисунок 8"/>
           <p:cNvPicPr>
             <a:picLocks noChangeAspect="1"/>
           </p:cNvPicPr>
@@ -9436,8 +9471,8 @@
         </p:blipFill>
         <p:spPr>
           <a:xfrm>
-            <a:off x="260350" y="3011428"/>
-            <a:ext cx="4016375" cy="2008188"/>
+            <a:off x="683260" y="2581929"/>
+            <a:ext cx="3457575" cy="2593181"/>
           </a:xfrm>
           <a:prstGeom prst="rect">
             <a:avLst/>
@@ -9454,6 +9489,13 @@
   <p:clrMapOvr>
     <a:masterClrMapping/>
   </p:clrMapOvr>
+  <p:timing>
+    <p:tnLst>
+      <p:par>
+        <p:cTn id="1" dur="indefinite" restart="never" nodeType="tmRoot"/>
+      </p:par>
+    </p:tnLst>
+  </p:timing>
 </p:sld>
 </file>
 
@@ -9500,8 +9542,8 @@
           </a:lstStyle>
           <a:p>
             <a:r>
-              <a:rPr lang="ru-RU" b="0" dirty="0"/>
-              <a:t>Модели баз данных</a:t>
+              <a:rPr lang="en-US" b="0" dirty="0"/>
+              <a:t>Database Models</a:t>
             </a:r>
             <a:endParaRPr lang="ru-RU" sz="3600" dirty="0"/>
           </a:p>
@@ -9541,7 +9583,7 @@
         </p:blipFill>
         <p:spPr>
           <a:xfrm>
-            <a:off x="3845614" y="2714625"/>
+            <a:off x="5044440" y="2879630"/>
             <a:ext cx="502920" cy="502920"/>
           </a:xfrm>
         </p:spPr>
@@ -9564,8 +9606,8 @@
         </p:nvSpPr>
         <p:spPr>
           <a:xfrm>
-            <a:off x="4551487" y="2646204"/>
-            <a:ext cx="3487613" cy="685800"/>
+            <a:off x="5740277" y="2879630"/>
+            <a:ext cx="2303506" cy="447359"/>
           </a:xfrm>
         </p:spPr>
         <p:txBody>
@@ -9577,14 +9619,10 @@
           </a:lstStyle>
           <a:p>
             <a:r>
-              <a:rPr lang="ru-RU" sz="1400" dirty="0"/>
-              <a:t>По данным franshiza.ru по состоянию на начало 2022 года в России насчитывается 3095 франшиз. Таким образом по количеству франшиз за 2021 год рынок франчайзинга вырос на 11,3</a:t>
-            </a:r>
-            <a:r>
-              <a:rPr lang="ru-RU" sz="1400" dirty="0" smtClean="0"/>
-              <a:t>%.</a:t>
-            </a:r>
-            <a:endParaRPr lang="ru-RU" sz="1400" dirty="0"/>
+              <a:rPr lang="en-US" sz="2400" dirty="0" smtClean="0"/>
+              <a:t>Key-value</a:t>
+            </a:r>
+            <a:endParaRPr lang="ru-RU" sz="2400" dirty="0"/>
           </a:p>
         </p:txBody>
       </p:sp>
@@ -9622,7 +9660,7 @@
         </p:blipFill>
         <p:spPr>
           <a:xfrm>
-            <a:off x="3845614" y="3722687"/>
+            <a:off x="5044440" y="3645576"/>
             <a:ext cx="502920" cy="502920"/>
           </a:xfrm>
         </p:spPr>
@@ -9645,8 +9683,8 @@
         </p:nvSpPr>
         <p:spPr>
           <a:xfrm>
-            <a:off x="4551487" y="3722687"/>
-            <a:ext cx="3630488" cy="685800"/>
+            <a:off x="5750313" y="3694777"/>
+            <a:ext cx="3210600" cy="453719"/>
           </a:xfrm>
         </p:spPr>
         <p:txBody>
@@ -9658,9 +9696,10 @@
           </a:lstStyle>
           <a:p>
             <a:r>
-              <a:rPr lang="ru-RU" sz="1400" dirty="0"/>
-              <a:t>Если рассмотреть подробнее, то по данным franshiza.ru в течение 2021 года в России появилось около 480 новых франшиз, 165 франшиз ушли с рынка. </a:t>
-            </a:r>
+              <a:rPr lang="en-US" sz="2400" dirty="0" smtClean="0"/>
+              <a:t>Column family</a:t>
+            </a:r>
+            <a:endParaRPr lang="ru-RU" sz="2400" dirty="0"/>
           </a:p>
         </p:txBody>
       </p:sp>
@@ -9698,7 +9737,7 @@
         </p:blipFill>
         <p:spPr>
           <a:xfrm>
-            <a:off x="3845614" y="4730750"/>
+            <a:off x="5044440" y="4373810"/>
             <a:ext cx="502920" cy="502920"/>
           </a:xfrm>
         </p:spPr>
@@ -9721,8 +9760,8 @@
         </p:nvSpPr>
         <p:spPr>
           <a:xfrm>
-            <a:off x="4551487" y="4696618"/>
-            <a:ext cx="3830513" cy="685800"/>
+            <a:off x="5740277" y="4441667"/>
+            <a:ext cx="2454330" cy="341041"/>
           </a:xfrm>
         </p:spPr>
         <p:txBody>
@@ -9734,17 +9773,10 @@
           </a:lstStyle>
           <a:p>
             <a:r>
-              <a:rPr lang="ru-RU" sz="1400" dirty="0"/>
-              <a:t>Среди российских </a:t>
-            </a:r>
-            <a:r>
-              <a:rPr lang="ru-RU" sz="1400" dirty="0" err="1"/>
-              <a:t>франчайзеров</a:t>
-            </a:r>
-            <a:r>
-              <a:rPr lang="ru-RU" sz="1400" dirty="0"/>
-              <a:t> около 74% имеет организационно-правовую форму в виде ООО,  26% работают и заключают договоры со своими франчайзи как ИП.</a:t>
-            </a:r>
+              <a:rPr lang="en-US" sz="2400" dirty="0" smtClean="0"/>
+              <a:t>Document</a:t>
+            </a:r>
+            <a:endParaRPr lang="ru-RU" sz="2400" dirty="0"/>
           </a:p>
         </p:txBody>
       </p:sp>
@@ -9774,9 +9806,10 @@
           </a:lstStyle>
           <a:p>
             <a:r>
-              <a:rPr lang="ru-RU" dirty="0"/>
-              <a:t>Статистика</a:t>
-            </a:r>
+              <a:rPr lang="en-US" dirty="0"/>
+              <a:t>Database Models</a:t>
+            </a:r>
+            <a:endParaRPr lang="ru-RU" dirty="0"/>
           </a:p>
         </p:txBody>
       </p:sp>
@@ -9847,7 +9880,7 @@
         </p:blipFill>
         <p:spPr>
           <a:xfrm>
-            <a:off x="3754174" y="1727540"/>
+            <a:off x="4953000" y="1892545"/>
             <a:ext cx="685800" cy="685800"/>
           </a:xfrm>
           <a:prstGeom prst="rect">
@@ -9855,30 +9888,272 @@
           </a:prstGeom>
         </p:spPr>
       </p:pic>
+      <p:sp>
+        <p:nvSpPr>
+          <p:cNvPr id="15" name="Текст 7">
+            <a:extLst>
+              <a:ext uri="{FF2B5EF4-FFF2-40B4-BE49-F238E27FC236}">
+                <a16:creationId xmlns:a16="http://schemas.microsoft.com/office/drawing/2014/main" id="{CE80F9D7-8410-9097-31BC-A9AE7C7052A9}"/>
+              </a:ext>
+            </a:extLst>
+          </p:cNvPr>
+          <p:cNvSpPr txBox="1">
+            <a:spLocks/>
+          </p:cNvSpPr>
+          <p:nvPr/>
+        </p:nvSpPr>
+        <p:spPr>
+          <a:xfrm>
+            <a:off x="5750313" y="5181653"/>
+            <a:ext cx="3830513" cy="685800"/>
+          </a:xfrm>
+          <a:prstGeom prst="rect">
+            <a:avLst/>
+          </a:prstGeom>
+        </p:spPr>
+        <p:txBody>
+          <a:bodyPr vert="horz" lIns="0" tIns="0" rIns="0" bIns="0" rtlCol="0">
+            <a:noAutofit/>
+          </a:bodyPr>
+          <a:lstStyle>
+            <a:defPPr>
+              <a:defRPr lang="ru-RU"/>
+            </a:defPPr>
+            <a:lvl1pPr marL="0" indent="0" algn="l" defTabSz="914400" rtl="0" eaLnBrk="1" latinLnBrk="0" hangingPunct="1">
+              <a:lnSpc>
+                <a:spcPct val="90000"/>
+              </a:lnSpc>
+              <a:spcBef>
+                <a:spcPts val="1000"/>
+              </a:spcBef>
+              <a:buFont typeface="Arial" panose="020B0604020202020204" pitchFamily="34" charset="0"/>
+              <a:buNone/>
+              <a:defRPr lang="ru-RU" sz="1800" b="0" i="0" kern="1200">
+                <a:solidFill>
+                  <a:schemeClr val="bg1"/>
+                </a:solidFill>
+                <a:latin typeface="+mn-lt"/>
+                <a:ea typeface="+mn-ea"/>
+                <a:cs typeface="Arial" panose="020B0604020202020204" pitchFamily="34" charset="0"/>
+              </a:defRPr>
+            </a:lvl1pPr>
+            <a:lvl2pPr marL="685800" indent="-228600" algn="l" defTabSz="914400" rtl="0" eaLnBrk="1" latinLnBrk="0" hangingPunct="1">
+              <a:lnSpc>
+                <a:spcPct val="90000"/>
+              </a:lnSpc>
+              <a:spcBef>
+                <a:spcPts val="500"/>
+              </a:spcBef>
+              <a:buFont typeface="Arial" panose="020B0604020202020204" pitchFamily="34" charset="0"/>
+              <a:buChar char="•"/>
+              <a:defRPr lang="ru-RU" sz="2400" kern="1200">
+                <a:solidFill>
+                  <a:schemeClr val="bg1"/>
+                </a:solidFill>
+                <a:latin typeface="+mn-lt"/>
+                <a:ea typeface="+mn-ea"/>
+                <a:cs typeface="Arial" panose="020B0604020202020204" pitchFamily="34" charset="0"/>
+              </a:defRPr>
+            </a:lvl2pPr>
+            <a:lvl3pPr marL="1143000" indent="-228600" algn="l" defTabSz="914400" rtl="0" eaLnBrk="1" latinLnBrk="0" hangingPunct="1">
+              <a:lnSpc>
+                <a:spcPct val="90000"/>
+              </a:lnSpc>
+              <a:spcBef>
+                <a:spcPts val="500"/>
+              </a:spcBef>
+              <a:buFont typeface="Arial" panose="020B0604020202020204" pitchFamily="34" charset="0"/>
+              <a:buChar char="•"/>
+              <a:defRPr lang="ru-RU" sz="2000" kern="1200">
+                <a:solidFill>
+                  <a:schemeClr val="bg1"/>
+                </a:solidFill>
+                <a:latin typeface="+mn-lt"/>
+                <a:ea typeface="+mn-ea"/>
+                <a:cs typeface="Arial" panose="020B0604020202020204" pitchFamily="34" charset="0"/>
+              </a:defRPr>
+            </a:lvl3pPr>
+            <a:lvl4pPr marL="1600200" indent="-228600" algn="l" defTabSz="914400" rtl="0" eaLnBrk="1" latinLnBrk="0" hangingPunct="1">
+              <a:lnSpc>
+                <a:spcPct val="90000"/>
+              </a:lnSpc>
+              <a:spcBef>
+                <a:spcPts val="500"/>
+              </a:spcBef>
+              <a:buFont typeface="Arial" panose="020B0604020202020204" pitchFamily="34" charset="0"/>
+              <a:buChar char="•"/>
+              <a:defRPr lang="ru-RU" sz="1800" kern="1200">
+                <a:solidFill>
+                  <a:schemeClr val="bg1"/>
+                </a:solidFill>
+                <a:latin typeface="+mn-lt"/>
+                <a:ea typeface="+mn-ea"/>
+                <a:cs typeface="Arial" panose="020B0604020202020204" pitchFamily="34" charset="0"/>
+              </a:defRPr>
+            </a:lvl4pPr>
+            <a:lvl5pPr marL="2057400" indent="-228600" algn="l" defTabSz="914400" rtl="0" eaLnBrk="1" latinLnBrk="0" hangingPunct="1">
+              <a:lnSpc>
+                <a:spcPct val="90000"/>
+              </a:lnSpc>
+              <a:spcBef>
+                <a:spcPts val="500"/>
+              </a:spcBef>
+              <a:buFont typeface="Arial" panose="020B0604020202020204" pitchFamily="34" charset="0"/>
+              <a:buChar char="•"/>
+              <a:defRPr lang="ru-RU" sz="1200" kern="1200">
+                <a:solidFill>
+                  <a:schemeClr val="bg1"/>
+                </a:solidFill>
+                <a:latin typeface="+mn-lt"/>
+                <a:ea typeface="+mn-ea"/>
+                <a:cs typeface="Arial" panose="020B0604020202020204" pitchFamily="34" charset="0"/>
+              </a:defRPr>
+            </a:lvl5pPr>
+            <a:lvl6pPr marL="2514600" indent="-228600" algn="l" defTabSz="914400" rtl="0" eaLnBrk="1" latinLnBrk="0" hangingPunct="1">
+              <a:lnSpc>
+                <a:spcPct val="90000"/>
+              </a:lnSpc>
+              <a:spcBef>
+                <a:spcPts val="500"/>
+              </a:spcBef>
+              <a:buFont typeface="Arial" panose="020B0604020202020204" pitchFamily="34" charset="0"/>
+              <a:buChar char="•"/>
+              <a:defRPr lang="ru-RU" sz="1800" kern="1200">
+                <a:solidFill>
+                  <a:schemeClr val="tx1"/>
+                </a:solidFill>
+                <a:latin typeface="+mn-lt"/>
+                <a:ea typeface="+mn-ea"/>
+                <a:cs typeface="+mn-cs"/>
+              </a:defRPr>
+            </a:lvl6pPr>
+            <a:lvl7pPr marL="2971800" indent="-228600" algn="l" defTabSz="914400" rtl="0" eaLnBrk="1" latinLnBrk="0" hangingPunct="1">
+              <a:lnSpc>
+                <a:spcPct val="90000"/>
+              </a:lnSpc>
+              <a:spcBef>
+                <a:spcPts val="500"/>
+              </a:spcBef>
+              <a:buFont typeface="Arial" panose="020B0604020202020204" pitchFamily="34" charset="0"/>
+              <a:buChar char="•"/>
+              <a:defRPr lang="ru-RU" sz="1800" kern="1200">
+                <a:solidFill>
+                  <a:schemeClr val="tx1"/>
+                </a:solidFill>
+                <a:latin typeface="+mn-lt"/>
+                <a:ea typeface="+mn-ea"/>
+                <a:cs typeface="+mn-cs"/>
+              </a:defRPr>
+            </a:lvl7pPr>
+            <a:lvl8pPr marL="3429000" indent="-228600" algn="l" defTabSz="914400" rtl="0" eaLnBrk="1" latinLnBrk="0" hangingPunct="1">
+              <a:lnSpc>
+                <a:spcPct val="90000"/>
+              </a:lnSpc>
+              <a:spcBef>
+                <a:spcPts val="500"/>
+              </a:spcBef>
+              <a:buFont typeface="Arial" panose="020B0604020202020204" pitchFamily="34" charset="0"/>
+              <a:buChar char="•"/>
+              <a:defRPr lang="ru-RU" sz="1800" kern="1200">
+                <a:solidFill>
+                  <a:schemeClr val="tx1"/>
+                </a:solidFill>
+                <a:latin typeface="+mn-lt"/>
+                <a:ea typeface="+mn-ea"/>
+                <a:cs typeface="+mn-cs"/>
+              </a:defRPr>
+            </a:lvl8pPr>
+            <a:lvl9pPr marL="3886200" indent="-228600" algn="l" defTabSz="914400" rtl="0" eaLnBrk="1" latinLnBrk="0" hangingPunct="1">
+              <a:lnSpc>
+                <a:spcPct val="90000"/>
+              </a:lnSpc>
+              <a:spcBef>
+                <a:spcPts val="500"/>
+              </a:spcBef>
+              <a:buFont typeface="Arial" panose="020B0604020202020204" pitchFamily="34" charset="0"/>
+              <a:buChar char="•"/>
+              <a:defRPr lang="ru-RU" sz="1800" kern="1200">
+                <a:solidFill>
+                  <a:schemeClr val="tx1"/>
+                </a:solidFill>
+                <a:latin typeface="+mn-lt"/>
+                <a:ea typeface="+mn-ea"/>
+                <a:cs typeface="+mn-cs"/>
+              </a:defRPr>
+            </a:lvl9pPr>
+          </a:lstStyle>
+          <a:p>
+            <a:r>
+              <a:rPr lang="en-US" sz="2400" dirty="0" smtClean="0"/>
+              <a:t>Graph</a:t>
+            </a:r>
+            <a:endParaRPr lang="ru-RU" sz="2400" dirty="0"/>
+          </a:p>
+        </p:txBody>
+      </p:sp>
       <p:pic>
         <p:nvPicPr>
-          <p:cNvPr id="6" name="Рисунок 5"/>
+          <p:cNvPr id="17" name="Рисунок 16" descr="Эмблема с галочкой">
+            <a:extLst>
+              <a:ext uri="{FF2B5EF4-FFF2-40B4-BE49-F238E27FC236}">
+                <a16:creationId xmlns:a16="http://schemas.microsoft.com/office/drawing/2014/main" id="{F2D23F06-5068-6EAF-10FC-42E0A8F65A5B}"/>
+              </a:ext>
+            </a:extLst>
+          </p:cNvPr>
           <p:cNvPicPr>
             <a:picLocks noChangeAspect="1"/>
           </p:cNvPicPr>
           <p:nvPr/>
         </p:nvPicPr>
         <p:blipFill>
-          <a:blip r:embed="rId7">
+          <a:blip r:embed="rId3">
             <a:extLst>
               <a:ext uri="{28A0092B-C50C-407E-A947-70E740481C1C}">
                 <a14:useLocalDpi xmlns:a14="http://schemas.microsoft.com/office/drawing/2010/main" val="0"/>
               </a:ext>
+              <a:ext uri="{96DAC541-7B7A-43D3-8B79-37D633B846F1}">
+                <asvg:svgBlip xmlns:asvg="http://schemas.microsoft.com/office/drawing/2016/SVG/main" xmlns="" r:embed="rId4"/>
+              </a:ext>
             </a:extLst>
           </a:blip>
+          <a:srcRect/>
           <a:stretch>
             <a:fillRect/>
           </a:stretch>
         </p:blipFill>
         <p:spPr>
           <a:xfrm>
-            <a:off x="106015" y="2714625"/>
-            <a:ext cx="3648159" cy="2423023"/>
+            <a:off x="5044440" y="5102044"/>
+            <a:ext cx="502920" cy="502920"/>
+          </a:xfrm>
+          <a:prstGeom prst="rect">
+            <a:avLst/>
+          </a:prstGeom>
+        </p:spPr>
+      </p:pic>
+      <p:pic>
+        <p:nvPicPr>
+          <p:cNvPr id="14" name="Рисунок 13"/>
+          <p:cNvPicPr>
+            <a:picLocks noChangeAspect="1"/>
+          </p:cNvPicPr>
+          <p:nvPr/>
+        </p:nvPicPr>
+        <p:blipFill rotWithShape="1">
+          <a:blip r:embed="rId7">
+            <a:extLst>
+              <a:ext uri="{28A0092B-C50C-407E-A947-70E740481C1C}">
+                <a14:useLocalDpi xmlns:a14="http://schemas.microsoft.com/office/drawing/2010/main" val="0"/>
+              </a:ext>
+            </a:extLst>
+          </a:blip>
+          <a:srcRect r="3722" b="8227"/>
+          <a:stretch/>
+        </p:blipFill>
+        <p:spPr>
+          <a:xfrm>
+            <a:off x="706495" y="3006758"/>
+            <a:ext cx="3576747" cy="1775950"/>
           </a:xfrm>
           <a:prstGeom prst="rect">
             <a:avLst/>
@@ -9895,6 +10170,13 @@
   <p:clrMapOvr>
     <a:masterClrMapping/>
   </p:clrMapOvr>
+  <p:timing>
+    <p:tnLst>
+      <p:par>
+        <p:cTn id="1" dur="indefinite" restart="never" nodeType="tmRoot"/>
+      </p:par>
+    </p:tnLst>
+  </p:timing>
 </p:sld>
 </file>
 
@@ -9934,7 +10216,7 @@
         <p:spPr>
           <a:xfrm>
             <a:off x="811184" y="621973"/>
-            <a:ext cx="7839757" cy="961899"/>
+            <a:ext cx="8614699" cy="961899"/>
           </a:xfrm>
         </p:spPr>
         <p:txBody>
@@ -9946,8 +10228,20 @@
           </a:lstStyle>
           <a:p>
             <a:r>
-              <a:rPr lang="ru-RU" b="0" dirty="0"/>
-              <a:t>Виды</a:t>
+              <a:rPr lang="en-US" b="0" dirty="0" smtClean="0"/>
+              <a:t>Types </a:t>
+            </a:r>
+            <a:r>
+              <a:rPr lang="en-US" b="0" dirty="0"/>
+              <a:t>of </a:t>
+            </a:r>
+            <a:r>
+              <a:rPr lang="en-US" b="0" dirty="0" smtClean="0"/>
+              <a:t>MMBD </a:t>
+            </a:r>
+            <a:r>
+              <a:rPr lang="en-US" b="0" dirty="0"/>
+              <a:t>construction</a:t>
             </a:r>
             <a:endParaRPr lang="ru-RU" sz="3600" dirty="0"/>
           </a:p>
@@ -9987,7 +10281,7 @@
         </p:blipFill>
         <p:spPr>
           <a:xfrm>
-            <a:off x="4045262" y="3887787"/>
+            <a:off x="2259505" y="2200729"/>
             <a:ext cx="685800" cy="685800"/>
           </a:xfrm>
         </p:spPr>
@@ -10026,7 +10320,7 @@
         </p:blipFill>
         <p:spPr>
           <a:xfrm>
-            <a:off x="4045262" y="2790825"/>
+            <a:off x="2259505" y="4118809"/>
             <a:ext cx="685800" cy="685800"/>
           </a:xfrm>
         </p:spPr>
@@ -10065,7 +10359,7 @@
         </p:blipFill>
         <p:spPr>
           <a:xfrm>
-            <a:off x="4045262" y="5122068"/>
+            <a:off x="2259505" y="3180535"/>
             <a:ext cx="685800" cy="685800"/>
           </a:xfrm>
         </p:spPr>
@@ -10088,8 +10382,8 @@
         </p:nvSpPr>
         <p:spPr>
           <a:xfrm>
-            <a:off x="4886325" y="2819400"/>
-            <a:ext cx="6067426" cy="2558845"/>
+            <a:off x="3209946" y="2376808"/>
+            <a:ext cx="3957244" cy="313008"/>
           </a:xfrm>
         </p:spPr>
         <p:txBody>
@@ -10101,45 +10395,10 @@
           </a:lstStyle>
           <a:p>
             <a:r>
-              <a:rPr lang="ru-RU" sz="1400" dirty="0"/>
-              <a:t>Прямой франчайзинг — это классическая схема, которая наиболее распространена в России. По этой схеме франчайзи получает право на использование торговой марки и контакты поставщиков, перенимает стандарты и бизнес-процессы владельца бренда-</a:t>
-            </a:r>
-            <a:r>
-              <a:rPr lang="ru-RU" sz="1400" dirty="0" err="1"/>
-              <a:t>франчайзера</a:t>
-            </a:r>
-            <a:r>
-              <a:rPr lang="ru-RU" sz="1400" dirty="0"/>
-              <a:t>.</a:t>
-            </a:r>
-            <a:br>
-              <a:rPr lang="ru-RU" sz="1400" dirty="0"/>
-            </a:br>
-            <a:r>
-              <a:rPr lang="ru-RU" sz="1400" dirty="0"/>
-              <a:t/>
-            </a:r>
-            <a:br>
-              <a:rPr lang="ru-RU" sz="1400" dirty="0"/>
-            </a:br>
-            <a:r>
-              <a:rPr lang="ru-RU" sz="1400" dirty="0"/>
-              <a:t>При этом на франчайзи остается большой объем операционной работы. Он сам закупает товары, управляет логистикой, определяет ценовую политику и обучает персонал. Кроме того, франчайзи платит франчайзеру роялти — в среднем 10% от оборота. Доходом франчайзи в классической схеме является коммерческая маржа.</a:t>
-            </a:r>
-            <a:br>
-              <a:rPr lang="ru-RU" sz="1400" dirty="0"/>
-            </a:br>
-            <a:r>
-              <a:rPr lang="ru-RU" sz="1400" dirty="0"/>
-              <a:t/>
-            </a:r>
-            <a:br>
-              <a:rPr lang="ru-RU" sz="1400" dirty="0"/>
-            </a:br>
-            <a:r>
-              <a:rPr lang="ru-RU" sz="1400" dirty="0"/>
-              <a:t>Одно из преимуществ прямого франчайзинга — достаточная свобода в ведении бизнеса и возможность проявить свои предпринимательские качества. Эта модель подходит опытным предпринимателям, которым хватает знаний и навыков и которые могут посвящать своему делу достаточно времени.</a:t>
-            </a:r>
+              <a:rPr lang="ru-RU" sz="2400" dirty="0" smtClean="0"/>
+              <a:t>Polyglot persistence</a:t>
+            </a:r>
+            <a:endParaRPr lang="ru-RU" sz="2400" dirty="0"/>
           </a:p>
         </p:txBody>
       </p:sp>
@@ -10169,12 +10428,8 @@
           </a:lstStyle>
           <a:p>
             <a:r>
-              <a:rPr lang="ru-RU" dirty="0"/>
-              <a:t>Прямой </a:t>
-            </a:r>
-            <a:r>
-              <a:rPr lang="ru-RU" dirty="0" smtClean="0"/>
-              <a:t>франчайзинг</a:t>
+              <a:rPr lang="en-US" dirty="0"/>
+              <a:t>Types of MMBD construction</a:t>
             </a:r>
             <a:endParaRPr lang="ru-RU" dirty="0"/>
           </a:p>
@@ -10215,9 +10470,123 @@
           </a:p>
         </p:txBody>
       </p:sp>
+      <p:sp>
+        <p:nvSpPr>
+          <p:cNvPr id="11" name="Текст 1">
+            <a:extLst>
+              <a:ext uri="{FF2B5EF4-FFF2-40B4-BE49-F238E27FC236}">
+                <a16:creationId xmlns:a16="http://schemas.microsoft.com/office/drawing/2014/main" id="{B5EAF725-637D-A8D8-53FA-B6AFD9726505}"/>
+              </a:ext>
+            </a:extLst>
+          </p:cNvPr>
+          <p:cNvSpPr>
+            <a:spLocks noGrp="1"/>
+          </p:cNvSpPr>
+          <p:nvPr>
+            <p:ph type="body" sz="quarter" idx="16"/>
+          </p:nvPr>
+        </p:nvSpPr>
+        <p:spPr>
+          <a:xfrm>
+            <a:off x="3209946" y="4368684"/>
+            <a:ext cx="8491624" cy="313008"/>
+          </a:xfrm>
+        </p:spPr>
+        <p:txBody>
+          <a:bodyPr rtlCol="0"/>
+          <a:lstStyle>
+            <a:defPPr>
+              <a:defRPr lang="ru-RU"/>
+            </a:defPPr>
+          </a:lstStyle>
+          <a:p>
+            <a:r>
+              <a:rPr lang="en-US" sz="2400" dirty="0"/>
+              <a:t>Multi-model DB based on the document model</a:t>
+            </a:r>
+            <a:endParaRPr lang="ru-RU" sz="3200" dirty="0"/>
+          </a:p>
+        </p:txBody>
+      </p:sp>
+      <p:sp>
+        <p:nvSpPr>
+          <p:cNvPr id="13" name="Текст 1">
+            <a:extLst>
+              <a:ext uri="{FF2B5EF4-FFF2-40B4-BE49-F238E27FC236}">
+                <a16:creationId xmlns:a16="http://schemas.microsoft.com/office/drawing/2014/main" id="{B5EAF725-637D-A8D8-53FA-B6AFD9726505}"/>
+              </a:ext>
+            </a:extLst>
+          </p:cNvPr>
+          <p:cNvSpPr>
+            <a:spLocks noGrp="1"/>
+          </p:cNvSpPr>
+          <p:nvPr>
+            <p:ph type="body" sz="quarter" idx="16"/>
+          </p:nvPr>
+        </p:nvSpPr>
+        <p:spPr>
+          <a:xfrm>
+            <a:off x="3209946" y="3370121"/>
+            <a:ext cx="8237242" cy="313008"/>
+          </a:xfrm>
+        </p:spPr>
+        <p:txBody>
+          <a:bodyPr rtlCol="0"/>
+          <a:lstStyle>
+            <a:defPPr>
+              <a:defRPr lang="ru-RU"/>
+            </a:defPPr>
+          </a:lstStyle>
+          <a:p>
+            <a:r>
+              <a:rPr lang="en-US" sz="2400" dirty="0"/>
+              <a:t> Multi-model DB based on the relational model</a:t>
+            </a:r>
+            <a:endParaRPr lang="ru-RU" sz="3200" dirty="0"/>
+          </a:p>
+        </p:txBody>
+      </p:sp>
+      <p:sp>
+        <p:nvSpPr>
+          <p:cNvPr id="17" name="Текст 1">
+            <a:extLst>
+              <a:ext uri="{FF2B5EF4-FFF2-40B4-BE49-F238E27FC236}">
+                <a16:creationId xmlns:a16="http://schemas.microsoft.com/office/drawing/2014/main" id="{B5EAF725-637D-A8D8-53FA-B6AFD9726505}"/>
+              </a:ext>
+            </a:extLst>
+          </p:cNvPr>
+          <p:cNvSpPr>
+            <a:spLocks noGrp="1"/>
+          </p:cNvSpPr>
+          <p:nvPr>
+            <p:ph type="body" sz="quarter" idx="16"/>
+          </p:nvPr>
+        </p:nvSpPr>
+        <p:spPr>
+          <a:xfrm>
+            <a:off x="3209946" y="5293201"/>
+            <a:ext cx="4820274" cy="313008"/>
+          </a:xfrm>
+        </p:spPr>
+        <p:txBody>
+          <a:bodyPr rtlCol="0"/>
+          <a:lstStyle>
+            <a:defPPr>
+              <a:defRPr lang="ru-RU"/>
+            </a:defPPr>
+          </a:lstStyle>
+          <a:p>
+            <a:r>
+              <a:rPr lang="en-US" sz="2400" dirty="0"/>
+              <a:t>MMDB “without main model”</a:t>
+            </a:r>
+            <a:endParaRPr lang="ru-RU" sz="3200" dirty="0"/>
+          </a:p>
+        </p:txBody>
+      </p:sp>
       <p:pic>
         <p:nvPicPr>
-          <p:cNvPr id="6" name="Рисунок 5"/>
+          <p:cNvPr id="4" name="Рисунок 3"/>
           <p:cNvPicPr>
             <a:picLocks noChangeAspect="1"/>
           </p:cNvPicPr>
@@ -10237,52 +10606,14 @@
         </p:blipFill>
         <p:spPr>
           <a:xfrm>
-            <a:off x="1152525" y="3274219"/>
-            <a:ext cx="2190750" cy="2190750"/>
+            <a:off x="2424727" y="5265300"/>
+            <a:ext cx="393021" cy="393021"/>
           </a:xfrm>
           <a:prstGeom prst="rect">
             <a:avLst/>
           </a:prstGeom>
         </p:spPr>
       </p:pic>
-      <p:sp>
-        <p:nvSpPr>
-          <p:cNvPr id="7" name="TextBox 6"/>
-          <p:cNvSpPr txBox="1"/>
-          <p:nvPr/>
-        </p:nvSpPr>
-        <p:spPr>
-          <a:xfrm>
-            <a:off x="1050613" y="2209078"/>
-            <a:ext cx="3064187" cy="923330"/>
-          </a:xfrm>
-          <a:prstGeom prst="rect">
-            <a:avLst/>
-          </a:prstGeom>
-          <a:noFill/>
-        </p:spPr>
-        <p:txBody>
-          <a:bodyPr wrap="square" rtlCol="0">
-            <a:spAutoFit/>
-          </a:bodyPr>
-          <a:lstStyle/>
-          <a:p>
-            <a:r>
-              <a:rPr lang="ru-RU" dirty="0" smtClean="0">
-                <a:solidFill>
-                  <a:schemeClr val="bg1"/>
-                </a:solidFill>
-              </a:rPr>
-              <a:t>Пример компании работающей по прямому франчайзингу: </a:t>
-            </a:r>
-            <a:endParaRPr lang="ru-RU" dirty="0">
-              <a:solidFill>
-                <a:schemeClr val="bg1"/>
-              </a:solidFill>
-            </a:endParaRPr>
-          </a:p>
-        </p:txBody>
-      </p:sp>
     </p:spTree>
     <p:extLst>
       <p:ext uri="{BB962C8B-B14F-4D97-AF65-F5344CB8AC3E}">
@@ -10293,6 +10624,13 @@
   <p:clrMapOvr>
     <a:masterClrMapping/>
   </p:clrMapOvr>
+  <p:timing>
+    <p:tnLst>
+      <p:par>
+        <p:cTn id="1" dur="indefinite" restart="never" nodeType="tmRoot"/>
+      </p:par>
+    </p:tnLst>
+  </p:timing>
 </p:sld>
 </file>
 
@@ -10344,154 +10682,33 @@
           </a:lstStyle>
           <a:p>
             <a:r>
-              <a:rPr lang="ru-RU" b="0" dirty="0"/>
-              <a:t>Примеры </a:t>
-            </a:r>
-            <a:r>
-              <a:rPr lang="ru-RU" b="0" dirty="0" err="1"/>
-              <a:t>бд</a:t>
+              <a:rPr lang="en-US" b="0" dirty="0" smtClean="0"/>
+              <a:t>Example MMDB</a:t>
             </a:r>
             <a:endParaRPr lang="ru-RU" sz="3600" dirty="0"/>
           </a:p>
         </p:txBody>
       </p:sp>
-      <p:pic>
-        <p:nvPicPr>
-          <p:cNvPr id="10" name="Рисунок 9" descr="Пользователи (сплошная заливка)">
-            <a:extLst>
-              <a:ext uri="{FF2B5EF4-FFF2-40B4-BE49-F238E27FC236}">
-                <a16:creationId xmlns:a16="http://schemas.microsoft.com/office/drawing/2014/main" id="{1814866E-B6E8-18D4-C178-F7971683B654}"/>
-              </a:ext>
-            </a:extLst>
-          </p:cNvPr>
-          <p:cNvPicPr>
-            <a:picLocks noGrp="1" noChangeAspect="1"/>
-          </p:cNvPicPr>
-          <p:nvPr>
-            <p:ph type="pic" sz="quarter" idx="23"/>
-          </p:nvPr>
-        </p:nvPicPr>
-        <p:blipFill>
-          <a:blip r:embed="rId3">
-            <a:extLst>
-              <a:ext uri="{28A0092B-C50C-407E-A947-70E740481C1C}">
-                <a14:useLocalDpi xmlns:a14="http://schemas.microsoft.com/office/drawing/2010/main" val="0"/>
-              </a:ext>
-              <a:ext uri="{96DAC541-7B7A-43D3-8B79-37D633B846F1}">
-                <asvg:svgBlip xmlns:asvg="http://schemas.microsoft.com/office/drawing/2016/SVG/main" xmlns="" r:embed="rId4"/>
-              </a:ext>
-            </a:extLst>
-          </a:blip>
-          <a:srcRect/>
-          <a:stretch>
-            <a:fillRect/>
-          </a:stretch>
-        </p:blipFill>
+      <p:sp>
+        <p:nvSpPr>
+          <p:cNvPr id="2" name="Текст 1">
+            <a:extLst>
+              <a:ext uri="{FF2B5EF4-FFF2-40B4-BE49-F238E27FC236}">
+                <a16:creationId xmlns:a16="http://schemas.microsoft.com/office/drawing/2014/main" id="{B5EAF725-637D-A8D8-53FA-B6AFD9726505}"/>
+              </a:ext>
+            </a:extLst>
+          </p:cNvPr>
+          <p:cNvSpPr>
+            <a:spLocks noGrp="1"/>
+          </p:cNvSpPr>
+          <p:nvPr>
+            <p:ph type="body" sz="quarter" idx="16"/>
+          </p:nvPr>
+        </p:nvSpPr>
         <p:spPr>
           <a:xfrm>
-            <a:off x="4110816" y="3994999"/>
-            <a:ext cx="685800" cy="685800"/>
-          </a:xfrm>
-        </p:spPr>
-      </p:pic>
-      <p:pic>
-        <p:nvPicPr>
-          <p:cNvPr id="12" name="Рисунок 11" descr="Планшет (сплошная заливка)">
-            <a:extLst>
-              <a:ext uri="{FF2B5EF4-FFF2-40B4-BE49-F238E27FC236}">
-                <a16:creationId xmlns:a16="http://schemas.microsoft.com/office/drawing/2014/main" id="{20D9705D-3FC9-C084-FA77-9BBF77EEC928}"/>
-              </a:ext>
-            </a:extLst>
-          </p:cNvPr>
-          <p:cNvPicPr>
-            <a:picLocks noGrp="1" noChangeAspect="1"/>
-          </p:cNvPicPr>
-          <p:nvPr>
-            <p:ph type="pic" sz="quarter" idx="24"/>
-          </p:nvPr>
-        </p:nvPicPr>
-        <p:blipFill>
-          <a:blip r:embed="rId5">
-            <a:extLst>
-              <a:ext uri="{28A0092B-C50C-407E-A947-70E740481C1C}">
-                <a14:useLocalDpi xmlns:a14="http://schemas.microsoft.com/office/drawing/2010/main" val="0"/>
-              </a:ext>
-              <a:ext uri="{96DAC541-7B7A-43D3-8B79-37D633B846F1}">
-                <asvg:svgBlip xmlns:asvg="http://schemas.microsoft.com/office/drawing/2016/SVG/main" xmlns="" r:embed="rId6"/>
-              </a:ext>
-            </a:extLst>
-          </a:blip>
-          <a:srcRect/>
-          <a:stretch>
-            <a:fillRect/>
-          </a:stretch>
-        </p:blipFill>
-        <p:spPr>
-          <a:xfrm>
-            <a:off x="4110816" y="2750681"/>
-            <a:ext cx="685800" cy="685800"/>
-          </a:xfrm>
-        </p:spPr>
-      </p:pic>
-      <p:pic>
-        <p:nvPicPr>
-          <p:cNvPr id="14" name="Рисунок 13" descr="Галочка (сплошная заливка)">
-            <a:extLst>
-              <a:ext uri="{FF2B5EF4-FFF2-40B4-BE49-F238E27FC236}">
-                <a16:creationId xmlns:a16="http://schemas.microsoft.com/office/drawing/2014/main" id="{6F9E0913-6B7A-58BE-4995-D2AC4B2BFE28}"/>
-              </a:ext>
-            </a:extLst>
-          </p:cNvPr>
-          <p:cNvPicPr>
-            <a:picLocks noGrp="1" noChangeAspect="1"/>
-          </p:cNvPicPr>
-          <p:nvPr>
-            <p:ph type="pic" sz="quarter" idx="25"/>
-          </p:nvPr>
-        </p:nvPicPr>
-        <p:blipFill>
-          <a:blip r:embed="rId7">
-            <a:extLst>
-              <a:ext uri="{28A0092B-C50C-407E-A947-70E740481C1C}">
-                <a14:useLocalDpi xmlns:a14="http://schemas.microsoft.com/office/drawing/2010/main" val="0"/>
-              </a:ext>
-              <a:ext uri="{96DAC541-7B7A-43D3-8B79-37D633B846F1}">
-                <asvg:svgBlip xmlns:asvg="http://schemas.microsoft.com/office/drawing/2016/SVG/main" xmlns="" r:embed="rId8"/>
-              </a:ext>
-            </a:extLst>
-          </a:blip>
-          <a:srcRect/>
-          <a:stretch>
-            <a:fillRect/>
-          </a:stretch>
-        </p:blipFill>
-        <p:spPr>
-          <a:xfrm>
-            <a:off x="4085012" y="5344534"/>
-            <a:ext cx="685800" cy="685800"/>
-          </a:xfrm>
-        </p:spPr>
-      </p:pic>
-      <p:sp>
-        <p:nvSpPr>
-          <p:cNvPr id="2" name="Текст 1">
-            <a:extLst>
-              <a:ext uri="{FF2B5EF4-FFF2-40B4-BE49-F238E27FC236}">
-                <a16:creationId xmlns:a16="http://schemas.microsoft.com/office/drawing/2014/main" id="{B5EAF725-637D-A8D8-53FA-B6AFD9726505}"/>
-              </a:ext>
-            </a:extLst>
-          </p:cNvPr>
-          <p:cNvSpPr>
-            <a:spLocks noGrp="1"/>
-          </p:cNvSpPr>
-          <p:nvPr>
-            <p:ph type="body" sz="quarter" idx="16"/>
-          </p:nvPr>
-        </p:nvSpPr>
-        <p:spPr>
-          <a:xfrm>
-            <a:off x="4886325" y="2819400"/>
-            <a:ext cx="5867400" cy="2988468"/>
+            <a:off x="6056705" y="2520517"/>
+            <a:ext cx="6548045" cy="1988414"/>
           </a:xfrm>
         </p:spPr>
         <p:txBody>
@@ -10503,63 +10720,127 @@
           </a:lstStyle>
           <a:p>
             <a:r>
-              <a:rPr lang="ru-RU" sz="1400" dirty="0"/>
-              <a:t>Обратный франчайзинг — это уже другая схема. </a:t>
-            </a:r>
-            <a:r>
-              <a:rPr lang="ru-RU" sz="1400" dirty="0" smtClean="0"/>
-              <a:t>Обратный франчайзинг — пока достаточно редкое явление на российском рынке. По такой схеме, например, работает торговая сеть «Пятёрочка». Она оказывает помощь в оценке потенциальной локации, где может быть открыт магазин, и дает прогноз по товарообороту.</a:t>
-            </a:r>
-          </a:p>
-          <a:p>
-            <a:r>
-              <a:rPr lang="ru-RU" sz="1400" dirty="0" smtClean="0"/>
-              <a:t>Здесь </a:t>
-            </a:r>
-            <a:r>
-              <a:rPr lang="ru-RU" sz="1400" dirty="0"/>
-              <a:t>франчайзи берет товар у </a:t>
-            </a:r>
-            <a:r>
-              <a:rPr lang="ru-RU" sz="1400" dirty="0" err="1"/>
-              <a:t>франчайзера</a:t>
-            </a:r>
-            <a:r>
-              <a:rPr lang="ru-RU" sz="1400" dirty="0"/>
-              <a:t> на реализацию и управляет сотрудниками, а </a:t>
-            </a:r>
-            <a:r>
-              <a:rPr lang="ru-RU" sz="1400" dirty="0" err="1"/>
-              <a:t>франчайзер</a:t>
-            </a:r>
-            <a:r>
-              <a:rPr lang="ru-RU" sz="1400" dirty="0"/>
-              <a:t> определяет ценовую политику и маркетинговую стратегию, формирует ассортимент, организует логистику и обучает персонал. При этом роялти нет, а доход франчайзи складывается из агентского вознаграждения в размере 20-22% от выручки</a:t>
-            </a:r>
-            <a:r>
-              <a:rPr lang="ru-RU" sz="1400" dirty="0" smtClean="0"/>
-              <a:t>.</a:t>
-            </a:r>
-            <a:endParaRPr lang="en-US" sz="1400" dirty="0" smtClean="0"/>
-          </a:p>
-          <a:p>
-            <a:r>
-              <a:rPr lang="ru-RU" sz="1400" dirty="0" smtClean="0"/>
-              <a:t>Работа </a:t>
-            </a:r>
-            <a:r>
-              <a:rPr lang="ru-RU" sz="1400" dirty="0"/>
-              <a:t>по обратной франшизе имеет ряд важных преимуществ, которые могут быть особенно полезны для начинающего предпринимателя без опыта в </a:t>
-            </a:r>
-            <a:r>
-              <a:rPr lang="ru-RU" sz="1400" dirty="0" err="1"/>
-              <a:t>ретейле</a:t>
-            </a:r>
-            <a:r>
-              <a:rPr lang="ru-RU" sz="1400" dirty="0"/>
-              <a:t>.</a:t>
-            </a:r>
-            <a:endParaRPr lang="en-US" sz="1400" dirty="0"/>
+              <a:rPr lang="en-US" sz="2400" dirty="0" smtClean="0"/>
+              <a:t>Example MMDB:</a:t>
+            </a:r>
+          </a:p>
+          <a:p>
+            <a:r>
+              <a:rPr lang="en-US" sz="2400" dirty="0" smtClean="0"/>
+              <a:t>MongoDB</a:t>
+            </a:r>
+            <a:r>
+              <a:rPr lang="ru-RU" sz="2400" dirty="0" smtClean="0"/>
+              <a:t> (</a:t>
+            </a:r>
+            <a:r>
+              <a:rPr lang="en-US" sz="2400" dirty="0" smtClean="0"/>
+              <a:t>document</a:t>
+            </a:r>
+            <a:r>
+              <a:rPr lang="ru-RU" sz="2400" dirty="0" smtClean="0"/>
+              <a:t>, </a:t>
+            </a:r>
+            <a:r>
+              <a:rPr lang="en-US" sz="2400" dirty="0"/>
+              <a:t>key-value</a:t>
+            </a:r>
+            <a:r>
+              <a:rPr lang="ru-RU" sz="2400" dirty="0" smtClean="0"/>
+              <a:t>)</a:t>
+            </a:r>
+            <a:endParaRPr lang="en-US" sz="2400" dirty="0" smtClean="0"/>
+          </a:p>
+          <a:p>
+            <a:r>
+              <a:rPr lang="en-US" sz="2400" dirty="0" err="1" smtClean="0"/>
+              <a:t>ArangoDB</a:t>
+            </a:r>
+            <a:r>
+              <a:rPr lang="en-US" sz="2400" dirty="0" smtClean="0"/>
+              <a:t> (</a:t>
+            </a:r>
+            <a:r>
+              <a:rPr lang="en-US" sz="2400" dirty="0"/>
+              <a:t>graph</a:t>
+            </a:r>
+            <a:r>
+              <a:rPr lang="ru-RU" sz="2400" dirty="0" smtClean="0"/>
+              <a:t>, </a:t>
+            </a:r>
+            <a:r>
+              <a:rPr lang="en-US" sz="2400" dirty="0"/>
+              <a:t>document</a:t>
+            </a:r>
+            <a:r>
+              <a:rPr lang="ru-RU" sz="2400" dirty="0" smtClean="0"/>
+              <a:t>, </a:t>
+            </a:r>
+            <a:r>
+              <a:rPr lang="en-US" sz="2400" dirty="0" smtClean="0"/>
+              <a:t>key-value)</a:t>
+            </a:r>
+          </a:p>
+          <a:p>
+            <a:r>
+              <a:rPr lang="en-US" sz="2400" dirty="0" err="1" smtClean="0"/>
+              <a:t>OrientDB</a:t>
+            </a:r>
+            <a:r>
+              <a:rPr lang="en-US" sz="2400" dirty="0" smtClean="0"/>
+              <a:t> (graph</a:t>
+            </a:r>
+            <a:r>
+              <a:rPr lang="ru-RU" sz="2400" dirty="0" smtClean="0"/>
+              <a:t>, </a:t>
+            </a:r>
+            <a:r>
+              <a:rPr lang="en-US" sz="2400" dirty="0"/>
+              <a:t>document</a:t>
+            </a:r>
+            <a:r>
+              <a:rPr lang="ru-RU" sz="2400" dirty="0" smtClean="0"/>
+              <a:t>, </a:t>
+            </a:r>
+            <a:r>
+              <a:rPr lang="en-US" sz="2400" dirty="0"/>
+              <a:t>key-value</a:t>
+            </a:r>
+            <a:r>
+              <a:rPr lang="en-US" sz="2400" dirty="0" smtClean="0"/>
+              <a:t>)</a:t>
+            </a:r>
+          </a:p>
+          <a:p>
+            <a:r>
+              <a:rPr lang="en-US" sz="2400" dirty="0" err="1" smtClean="0"/>
+              <a:t>MarkLogic</a:t>
+            </a:r>
+            <a:r>
+              <a:rPr lang="en-US" sz="2400" dirty="0" smtClean="0"/>
+              <a:t> </a:t>
+            </a:r>
+            <a:r>
+              <a:rPr lang="ru-RU" sz="2400" dirty="0" smtClean="0"/>
+              <a:t>(</a:t>
+            </a:r>
+            <a:r>
+              <a:rPr lang="en-US" sz="2400" dirty="0"/>
+              <a:t>graph</a:t>
+            </a:r>
+            <a:r>
+              <a:rPr lang="ru-RU" sz="2400" dirty="0" smtClean="0"/>
+              <a:t>, </a:t>
+            </a:r>
+            <a:r>
+              <a:rPr lang="en-US" sz="2400" dirty="0"/>
+              <a:t>document</a:t>
+            </a:r>
+            <a:r>
+              <a:rPr lang="ru-RU" sz="2400" dirty="0" smtClean="0"/>
+              <a:t>)</a:t>
+            </a:r>
+            <a:endParaRPr lang="en-US" sz="2400" dirty="0" smtClean="0"/>
           </a:p>
         </p:txBody>
       </p:sp>
@@ -10589,17 +10870,10 @@
           </a:lstStyle>
           <a:p>
             <a:r>
-              <a:rPr lang="ru-RU" dirty="0"/>
-              <a:t>О</a:t>
-            </a:r>
-            <a:r>
-              <a:rPr lang="ru-RU" dirty="0" smtClean="0"/>
-              <a:t>братный </a:t>
-            </a:r>
-            <a:r>
-              <a:rPr lang="ru-RU" dirty="0"/>
-              <a:t>франчайзинг</a:t>
-            </a:r>
+              <a:rPr lang="en-US" dirty="0"/>
+              <a:t>Example MMDB</a:t>
+            </a:r>
+            <a:endParaRPr lang="ru-RU" dirty="0"/>
           </a:p>
         </p:txBody>
       </p:sp>
@@ -10638,72 +10912,168 @@
           </a:p>
         </p:txBody>
       </p:sp>
-      <p:sp>
-        <p:nvSpPr>
-          <p:cNvPr id="7" name="TextBox 6"/>
-          <p:cNvSpPr txBox="1"/>
+      <p:pic>
+        <p:nvPicPr>
+          <p:cNvPr id="1026" name="Picture 2" descr="Файл:MongoDB Logo.svg — Википедия"/>
+          <p:cNvPicPr>
+            <a:picLocks noChangeAspect="1" noChangeArrowheads="1"/>
+          </p:cNvPicPr>
           <p:nvPr/>
-        </p:nvSpPr>
-        <p:spPr>
-          <a:xfrm>
-            <a:off x="1050613" y="2209078"/>
-            <a:ext cx="3064187" cy="923330"/>
+        </p:nvPicPr>
+        <p:blipFill>
+          <a:blip r:embed="rId3">
+            <a:extLst>
+              <a:ext uri="{28A0092B-C50C-407E-A947-70E740481C1C}">
+                <a14:useLocalDpi xmlns:a14="http://schemas.microsoft.com/office/drawing/2010/main" val="0"/>
+              </a:ext>
+            </a:extLst>
+          </a:blip>
+          <a:srcRect/>
+          <a:stretch>
+            <a:fillRect/>
+          </a:stretch>
+        </p:blipFill>
+        <p:spPr bwMode="auto">
+          <a:xfrm>
+            <a:off x="931834" y="1724088"/>
+            <a:ext cx="3857625" cy="1039750"/>
           </a:xfrm>
           <a:prstGeom prst="rect">
             <a:avLst/>
           </a:prstGeom>
           <a:noFill/>
-        </p:spPr>
-        <p:txBody>
-          <a:bodyPr wrap="square" rtlCol="0">
-            <a:spAutoFit/>
-          </a:bodyPr>
-          <a:lstStyle/>
-          <a:p>
-            <a:r>
-              <a:rPr lang="ru-RU" dirty="0" smtClean="0">
+          <a:extLst>
+            <a:ext uri="{909E8E84-426E-40DD-AFC4-6F175D3DCCD1}">
+              <a14:hiddenFill xmlns:a14="http://schemas.microsoft.com/office/drawing/2010/main">
                 <a:solidFill>
-                  <a:schemeClr val="bg1"/>
+                  <a:srgbClr val="FFFFFF"/>
                 </a:solidFill>
-              </a:rPr>
-              <a:t>Пример компании работающей по обратному франчайзингу: </a:t>
-            </a:r>
-            <a:endParaRPr lang="ru-RU" dirty="0">
-              <a:solidFill>
-                <a:schemeClr val="bg1"/>
-              </a:solidFill>
-            </a:endParaRPr>
-          </a:p>
-        </p:txBody>
-      </p:sp>
+              </a14:hiddenFill>
+            </a:ext>
+          </a:extLst>
+        </p:spPr>
+      </p:pic>
       <p:pic>
         <p:nvPicPr>
-          <p:cNvPr id="3" name="Рисунок 2"/>
+          <p:cNvPr id="1028" name="Picture 4" descr="ArangoDB - Wikipedia"/>
           <p:cNvPicPr>
-            <a:picLocks noChangeAspect="1"/>
+            <a:picLocks noChangeAspect="1" noChangeArrowheads="1"/>
           </p:cNvPicPr>
           <p:nvPr/>
         </p:nvPicPr>
         <p:blipFill>
-          <a:blip r:embed="rId9">
+          <a:blip r:embed="rId4">
             <a:extLst>
               <a:ext uri="{28A0092B-C50C-407E-A947-70E740481C1C}">
                 <a14:useLocalDpi xmlns:a14="http://schemas.microsoft.com/office/drawing/2010/main" val="0"/>
               </a:ext>
             </a:extLst>
           </a:blip>
+          <a:srcRect/>
           <a:stretch>
             <a:fillRect/>
           </a:stretch>
         </p:blipFill>
-        <p:spPr>
-          <a:xfrm>
-            <a:off x="1050613" y="3366635"/>
-            <a:ext cx="2643529" cy="1300616"/>
+        <p:spPr bwMode="auto">
+          <a:xfrm>
+            <a:off x="727075" y="2900362"/>
+            <a:ext cx="1905000" cy="1228726"/>
           </a:xfrm>
           <a:prstGeom prst="rect">
             <a:avLst/>
           </a:prstGeom>
+          <a:noFill/>
+          <a:extLst>
+            <a:ext uri="{909E8E84-426E-40DD-AFC4-6F175D3DCCD1}">
+              <a14:hiddenFill xmlns:a14="http://schemas.microsoft.com/office/drawing/2010/main">
+                <a:solidFill>
+                  <a:srgbClr val="FFFFFF"/>
+                </a:solidFill>
+              </a14:hiddenFill>
+            </a:ext>
+          </a:extLst>
+        </p:spPr>
+      </p:pic>
+      <p:pic>
+        <p:nvPicPr>
+          <p:cNvPr id="1030" name="Picture 6" descr="Introduction · OrientDB Manual"/>
+          <p:cNvPicPr>
+            <a:picLocks noChangeAspect="1" noChangeArrowheads="1"/>
+          </p:cNvPicPr>
+          <p:nvPr/>
+        </p:nvPicPr>
+        <p:blipFill>
+          <a:blip r:embed="rId5">
+            <a:extLst>
+              <a:ext uri="{28A0092B-C50C-407E-A947-70E740481C1C}">
+                <a14:useLocalDpi xmlns:a14="http://schemas.microsoft.com/office/drawing/2010/main" val="0"/>
+              </a:ext>
+            </a:extLst>
+          </a:blip>
+          <a:srcRect/>
+          <a:stretch>
+            <a:fillRect/>
+          </a:stretch>
+        </p:blipFill>
+        <p:spPr bwMode="auto">
+          <a:xfrm>
+            <a:off x="2632075" y="2749950"/>
+            <a:ext cx="3343275" cy="1529549"/>
+          </a:xfrm>
+          <a:prstGeom prst="rect">
+            <a:avLst/>
+          </a:prstGeom>
+          <a:noFill/>
+          <a:extLst>
+            <a:ext uri="{909E8E84-426E-40DD-AFC4-6F175D3DCCD1}">
+              <a14:hiddenFill xmlns:a14="http://schemas.microsoft.com/office/drawing/2010/main">
+                <a:solidFill>
+                  <a:srgbClr val="FFFFFF"/>
+                </a:solidFill>
+              </a14:hiddenFill>
+            </a:ext>
+          </a:extLst>
+        </p:spPr>
+      </p:pic>
+      <p:pic>
+        <p:nvPicPr>
+          <p:cNvPr id="1032" name="Picture 8" descr="MarkLogic Server - Wikipedia"/>
+          <p:cNvPicPr>
+            <a:picLocks noChangeAspect="1" noChangeArrowheads="1"/>
+          </p:cNvPicPr>
+          <p:nvPr/>
+        </p:nvPicPr>
+        <p:blipFill>
+          <a:blip r:embed="rId6">
+            <a:extLst>
+              <a:ext uri="{28A0092B-C50C-407E-A947-70E740481C1C}">
+                <a14:useLocalDpi xmlns:a14="http://schemas.microsoft.com/office/drawing/2010/main" val="0"/>
+              </a:ext>
+            </a:extLst>
+          </a:blip>
+          <a:srcRect/>
+          <a:stretch>
+            <a:fillRect/>
+          </a:stretch>
+        </p:blipFill>
+        <p:spPr bwMode="auto">
+          <a:xfrm>
+            <a:off x="1297141" y="4337713"/>
+            <a:ext cx="3643159" cy="1195468"/>
+          </a:xfrm>
+          <a:prstGeom prst="rect">
+            <a:avLst/>
+          </a:prstGeom>
+          <a:noFill/>
+          <a:extLst>
+            <a:ext uri="{909E8E84-426E-40DD-AFC4-6F175D3DCCD1}">
+              <a14:hiddenFill xmlns:a14="http://schemas.microsoft.com/office/drawing/2010/main">
+                <a:solidFill>
+                  <a:srgbClr val="FFFFFF"/>
+                </a:solidFill>
+              </a14:hiddenFill>
+            </a:ext>
+          </a:extLst>
         </p:spPr>
       </p:pic>
     </p:spTree>
@@ -10716,6 +11086,13 @@
   <p:clrMapOvr>
     <a:masterClrMapping/>
   </p:clrMapOvr>
+  <p:timing>
+    <p:tnLst>
+      <p:par>
+        <p:cTn id="1" dur="indefinite" restart="never" nodeType="tmRoot"/>
+      </p:par>
+    </p:tnLst>
+  </p:timing>
 </p:sld>
 </file>
 
@@ -10763,9 +11140,14 @@
           <a:p>
             <a:pPr rtl="0"/>
             <a:r>
-              <a:rPr lang="ru-RU" dirty="0"/>
-              <a:t>Спасибо!</a:t>
-            </a:r>
+              <a:rPr lang="en-US" dirty="0" smtClean="0"/>
+              <a:t>Thank you</a:t>
+            </a:r>
+            <a:r>
+              <a:rPr lang="ru-RU" dirty="0" smtClean="0"/>
+              <a:t>!</a:t>
+            </a:r>
+            <a:endParaRPr lang="ru-RU" dirty="0"/>
           </a:p>
         </p:txBody>
       </p:sp>
@@ -10795,24 +11177,41 @@
           </a:lstStyle>
           <a:p>
             <a:r>
+              <a:rPr lang="en-US" b="0" dirty="0"/>
+              <a:t>Bauman MSTU</a:t>
+            </a:r>
+          </a:p>
+          <a:p>
+            <a:r>
+              <a:rPr lang="en-US" dirty="0" err="1"/>
+              <a:t>Zhuravlev</a:t>
+            </a:r>
+            <a:r>
               <a:rPr lang="ru-RU" dirty="0"/>
-              <a:t>МГТУ им. Н.Э. Баумана</a:t>
-            </a:r>
-          </a:p>
-          <a:p>
+              <a:t> </a:t>
+            </a:r>
+            <a:r>
+              <a:rPr lang="en-US" dirty="0"/>
+              <a:t>N</a:t>
+            </a:r>
             <a:r>
               <a:rPr lang="ru-RU" dirty="0"/>
-              <a:t>Журавлев </a:t>
-            </a:r>
-            <a:r>
-              <a:rPr lang="ru-RU" dirty="0" smtClean="0"/>
-              <a:t>Н.В.</a:t>
-            </a:r>
-          </a:p>
-          <a:p>
-            <a:r>
-              <a:rPr lang="ru-RU" dirty="0" smtClean="0"/>
-              <a:t>ИУ5-24М</a:t>
+              <a:t>.</a:t>
+            </a:r>
+            <a:r>
+              <a:rPr lang="en-US" dirty="0" smtClean="0"/>
+              <a:t>V.</a:t>
+            </a:r>
+            <a:endParaRPr lang="en-US" dirty="0"/>
+          </a:p>
+          <a:p>
+            <a:r>
+              <a:rPr lang="en-US" dirty="0"/>
+              <a:t>IU</a:t>
+            </a:r>
+            <a:r>
+              <a:rPr lang="ru-RU" dirty="0"/>
+              <a:t>5-24М</a:t>
             </a:r>
           </a:p>
           <a:p>
@@ -10830,6 +11229,13 @@
   <p:clrMapOvr>
     <a:masterClrMapping/>
   </p:clrMapOvr>
+  <p:timing>
+    <p:tnLst>
+      <p:par>
+        <p:cTn id="1" dur="indefinite" restart="never" nodeType="tmRoot"/>
+      </p:par>
+    </p:tnLst>
+  </p:timing>
 </p:sld>
 </file>
 
